--- a/posters.pptx
+++ b/posters.pptx
@@ -214,6 +214,11 @@
       </a:defRPr>
     </a:lvl9pPr>
   </p:defaultTextStyle>
+  <p:extLst>
+    <p:ext uri="{EFAFB233-063F-42B5-8137-9DF3F51BA10A}">
+      <p15:sldGuideLst xmlns:p15="http://schemas.microsoft.com/office/powerpoint/2012/main"/>
+    </p:ext>
+  </p:extLst>
 </p:presentation>
 </file>
 
@@ -7519,7 +7524,7 @@
         </p:nvSpPr>
         <p:spPr>
           <a:xfrm>
-            <a:off x="6400800" y="1051666"/>
+            <a:off x="11318345" y="1260019"/>
             <a:ext cx="31089600" cy="2514540"/>
           </a:xfrm>
           <a:prstGeom prst="rect">
@@ -7536,7 +7541,7 @@
           </a:bodyPr>
           <a:lstStyle/>
           <a:p>
-            <a:pPr>
+            <a:pPr algn="r">
               <a:buSzPct val="25000"/>
             </a:pPr>
             <a:r>
@@ -7565,7 +7570,7 @@
         </p:nvSpPr>
         <p:spPr>
           <a:xfrm>
-            <a:off x="6400800" y="3652700"/>
+            <a:off x="11318345" y="3804565"/>
             <a:ext cx="31089600" cy="830996"/>
           </a:xfrm>
           <a:prstGeom prst="rect">
@@ -7582,13 +7587,30 @@
           </a:bodyPr>
           <a:lstStyle/>
           <a:p>
-            <a:pPr>
+            <a:pPr algn="r">
               <a:buSzPct val="25000"/>
             </a:pPr>
             <a:r>
-              <a:rPr lang="en-US" sz="3600"/>
-              <a:t>By Anton Yeschenko and Kerwin Jorbina</a:t>
+              <a:rPr lang="en-US" sz="3600" dirty="0"/>
+              <a:t>By Anton </a:t>
             </a:r>
+            <a:r>
+              <a:rPr lang="en-US" sz="3600" dirty="0" err="1" smtClean="0"/>
+              <a:t>Yeschenko</a:t>
+            </a:r>
+            <a:r>
+              <a:rPr lang="en-US" sz="3600" dirty="0" smtClean="0"/>
+              <a:t> (Software Engineering) </a:t>
+            </a:r>
+            <a:r>
+              <a:rPr lang="en-US" sz="3600" dirty="0"/>
+              <a:t>and Kerwin </a:t>
+            </a:r>
+            <a:r>
+              <a:rPr lang="en-US" sz="3600" dirty="0"/>
+              <a:t>Jorbina (Software Engineering) </a:t>
+            </a:r>
+            <a:endParaRPr lang="en-US" sz="3600" dirty="0"/>
           </a:p>
         </p:txBody>
       </p:sp>
@@ -7841,11 +7863,7 @@
             </a:pPr>
             <a:r>
               <a:rPr lang="en-US" sz="3200" dirty="0"/>
-              <a:t>Will the name of being part of the European Union tremendously affect these countries? </a:t>
-            </a:r>
-            <a:r>
-              <a:rPr lang="en-US" sz="3200" dirty="0"/>
-              <a:t>This is with the assumption that there is no other critical factor that would introduce such change in the growth or decline</a:t>
+              <a:t>Will the name of being part of the European Union tremendously affect these countries? This is with the assumption that there is no other critical factor that would introduce such change in the growth or decline</a:t>
             </a:r>
             <a:r>
               <a:rPr lang="en-US" sz="3200" dirty="0" smtClean="0"/>
@@ -8116,15 +8134,7 @@
             </a:r>
             <a:r>
               <a:rPr lang="en-US" sz="3200" dirty="0"/>
-              <a:t>to know which cluster a country belong based on the values of its yearly growth of the development indicators. For every indicator, the growth is normalize</a:t>
-            </a:r>
-            <a:r>
-              <a:rPr lang="en-US" sz="3200" dirty="0"/>
-              <a:t>d</a:t>
-            </a:r>
-            <a:r>
-              <a:rPr lang="en-US" sz="3200" dirty="0"/>
-              <a:t> so that each indicator will have the same weight. The </a:t>
+              <a:t>to know which cluster a country belong based on the values of its yearly growth of the development indicators. For every indicator, the growth is normalized so that each indicator will have the same weight. The </a:t>
             </a:r>
             <a:r>
               <a:rPr lang="en-US" sz="3200" b="1" i="1" dirty="0"/>
@@ -8132,15 +8142,7 @@
             </a:r>
             <a:r>
               <a:rPr lang="en-US" sz="3200" dirty="0"/>
-              <a:t>is also used to find strong patterns and correlation in the derived data. The output data from this method then is fed to the said clustering </a:t>
-            </a:r>
-            <a:r>
-              <a:rPr lang="en-US" sz="3200" dirty="0"/>
-              <a:t>method</a:t>
-            </a:r>
-            <a:r>
-              <a:rPr lang="en-US" sz="3200" dirty="0"/>
-              <a:t>.</a:t>
+              <a:t>is also used to find strong patterns and correlation in the derived data. The output data from this method then is fed to the said clustering method.</a:t>
             </a:r>
           </a:p>
           <a:p>
@@ -8165,15 +8167,7 @@
             </a:r>
             <a:r>
               <a:rPr lang="en-US" sz="3200" dirty="0" smtClean="0"/>
-              <a:t>a cutoff point </a:t>
-            </a:r>
-            <a:r>
-              <a:rPr lang="en-US" sz="3200" dirty="0" smtClean="0"/>
-              <a:t>in</a:t>
-            </a:r>
-            <a:r>
-              <a:rPr lang="en-US" sz="3200" dirty="0" smtClean="0"/>
-              <a:t> </a:t>
+              <a:t>a cutoff point in </a:t>
             </a:r>
             <a:r>
               <a:rPr lang="en-US" sz="3200" dirty="0"/>
@@ -8560,33 +8554,6 @@
       </p:sp>
       <p:pic>
         <p:nvPicPr>
-          <p:cNvPr id="59" name="Shape 59"/>
-          <p:cNvPicPr preferRelativeResize="0"/>
-          <p:nvPr/>
-        </p:nvPicPr>
-        <p:blipFill rotWithShape="1">
-          <a:blip r:embed="rId3">
-            <a:alphaModFix/>
-          </a:blip>
-          <a:srcRect/>
-          <a:stretch/>
-        </p:blipFill>
-        <p:spPr>
-          <a:xfrm>
-            <a:off x="1143001" y="916173"/>
-            <a:ext cx="3621610" cy="3663887"/>
-          </a:xfrm>
-          <a:prstGeom prst="rect">
-            <a:avLst/>
-          </a:prstGeom>
-          <a:noFill/>
-          <a:ln>
-            <a:noFill/>
-          </a:ln>
-        </p:spPr>
-      </p:pic>
-      <p:pic>
-        <p:nvPicPr>
           <p:cNvPr id="60" name="Shape 60"/>
           <p:cNvPicPr preferRelativeResize="0">
             <a:picLocks noGrp="1"/>
@@ -8596,7 +8563,7 @@
           </p:nvPr>
         </p:nvPicPr>
         <p:blipFill rotWithShape="1">
-          <a:blip r:embed="rId4">
+          <a:blip r:embed="rId3">
             <a:alphaModFix/>
           </a:blip>
           <a:srcRect l="2124" t="2249" r="748" b="3450"/>
@@ -8668,15 +8635,6 @@
               </a:rPr>
               <a:t>://github.com/yesanton/EU_development_indicator_analysis</a:t>
             </a:r>
-            <a:endParaRPr lang="en-US" sz="4400" i="1" dirty="0">
-              <a:solidFill>
-                <a:schemeClr val="dk1"/>
-              </a:solidFill>
-              <a:latin typeface="Calibri"/>
-              <a:ea typeface="Calibri"/>
-              <a:cs typeface="Calibri"/>
-              <a:sym typeface="Calibri"/>
-            </a:endParaRPr>
           </a:p>
         </p:txBody>
       </p:sp>
@@ -8687,7 +8645,7 @@
           <p:nvPr/>
         </p:nvPicPr>
         <p:blipFill>
-          <a:blip r:embed="rId5">
+          <a:blip r:embed="rId4">
             <a:alphaModFix/>
           </a:blip>
           <a:stretch>
@@ -8757,7 +8715,7 @@
           <p:nvPr/>
         </p:nvPicPr>
         <p:blipFill>
-          <a:blip r:embed="rId6">
+          <a:blip r:embed="rId5">
             <a:alphaModFix/>
           </a:blip>
           <a:stretch>
@@ -8875,7 +8833,7 @@
           <p:nvPr/>
         </p:nvPicPr>
         <p:blipFill>
-          <a:blip r:embed="rId7">
+          <a:blip r:embed="rId6">
             <a:alphaModFix/>
           </a:blip>
           <a:stretch>
@@ -8945,7 +8903,7 @@
           <p:nvPr/>
         </p:nvPicPr>
         <p:blipFill>
-          <a:blip r:embed="rId8">
+          <a:blip r:embed="rId7">
             <a:alphaModFix/>
           </a:blip>
           <a:stretch>
@@ -8975,7 +8933,7 @@
           <p:nvPr/>
         </p:nvPicPr>
         <p:blipFill>
-          <a:blip r:embed="rId9">
+          <a:blip r:embed="rId8">
             <a:extLst>
               <a:ext uri="{28A0092B-C50C-407E-A947-70E740481C1C}">
                 <a14:useLocalDpi xmlns:a14="http://schemas.microsoft.com/office/drawing/2010/main" val="0"/>
@@ -9016,19 +8974,61 @@
           <p:nvPr/>
         </p:nvPicPr>
         <p:blipFill>
-          <a:blip r:embed="rId10"/>
+          <a:blip r:embed="rId9"/>
           <a:stretch>
             <a:fillRect/>
           </a:stretch>
         </p:blipFill>
         <p:spPr>
           <a:xfrm>
-            <a:off x="2201013" y="34618637"/>
-            <a:ext cx="2948331" cy="1159999"/>
+            <a:off x="2271558" y="34418197"/>
+            <a:ext cx="3600726" cy="1416679"/>
           </a:xfrm>
           <a:prstGeom prst="rect">
             <a:avLst/>
           </a:prstGeom>
+        </p:spPr>
+      </p:pic>
+      <p:pic>
+        <p:nvPicPr>
+          <p:cNvPr id="2" name="Picture 2" descr="Institute of Computer Science"/>
+          <p:cNvPicPr>
+            <a:picLocks noChangeAspect="1" noChangeArrowheads="1"/>
+          </p:cNvPicPr>
+          <p:nvPr/>
+        </p:nvPicPr>
+        <p:blipFill>
+          <a:blip r:embed="rId10">
+            <a:biLevel thresh="25000"/>
+            <a:extLst>
+              <a:ext uri="{28A0092B-C50C-407E-A947-70E740481C1C}">
+                <a14:useLocalDpi xmlns:a14="http://schemas.microsoft.com/office/drawing/2010/main" val="0"/>
+              </a:ext>
+            </a:extLst>
+          </a:blip>
+          <a:srcRect/>
+          <a:stretch>
+            <a:fillRect/>
+          </a:stretch>
+        </p:blipFill>
+        <p:spPr bwMode="auto">
+          <a:xfrm>
+            <a:off x="0" y="-48169"/>
+            <a:ext cx="17128164" cy="5788278"/>
+          </a:xfrm>
+          <a:prstGeom prst="rect">
+            <a:avLst/>
+          </a:prstGeom>
+          <a:noFill/>
+          <a:extLst>
+            <a:ext uri="{909E8E84-426E-40DD-AFC4-6F175D3DCCD1}">
+              <a14:hiddenFill xmlns:a14="http://schemas.microsoft.com/office/drawing/2010/main">
+                <a:solidFill>
+                  <a:srgbClr val="FFFFFF"/>
+                </a:solidFill>
+              </a14:hiddenFill>
+            </a:ext>
+          </a:extLst>
         </p:spPr>
       </p:pic>
     </p:spTree>
